--- a/CSharpWrapperActiveXCtrl.pptx
+++ b/CSharpWrapperActiveXCtrl.pptx
@@ -11,6 +11,16 @@
     <p:sldId id="265" r:id="rId5"/>
     <p:sldId id="266" r:id="rId6"/>
     <p:sldId id="267" r:id="rId7"/>
+    <p:sldId id="268" r:id="rId8"/>
+    <p:sldId id="269" r:id="rId9"/>
+    <p:sldId id="270" r:id="rId10"/>
+    <p:sldId id="271" r:id="rId11"/>
+    <p:sldId id="272" r:id="rId12"/>
+    <p:sldId id="273" r:id="rId13"/>
+    <p:sldId id="274" r:id="rId14"/>
+    <p:sldId id="275" r:id="rId15"/>
+    <p:sldId id="276" r:id="rId16"/>
+    <p:sldId id="277" r:id="rId17"/>
   </p:sldIdLst>
   <p:sldSz cx="12192000" cy="6858000"/>
   <p:notesSz cx="6858000" cy="9144000"/>
@@ -264,7 +274,7 @@
           <a:p>
             <a:fld id="{D4D87C87-8127-4ECD-94B9-65A96D0B3ACE}" type="datetimeFigureOut">
               <a:rPr lang="ko-KR" altLang="en-US" smtClean="0"/>
-              <a:t>2021-01-05</a:t>
+              <a:t>2021-01-07</a:t>
             </a:fld>
             <a:endParaRPr lang="ko-KR" altLang="en-US"/>
           </a:p>
@@ -462,7 +472,7 @@
           <a:p>
             <a:fld id="{D4D87C87-8127-4ECD-94B9-65A96D0B3ACE}" type="datetimeFigureOut">
               <a:rPr lang="ko-KR" altLang="en-US" smtClean="0"/>
-              <a:t>2021-01-05</a:t>
+              <a:t>2021-01-07</a:t>
             </a:fld>
             <a:endParaRPr lang="ko-KR" altLang="en-US"/>
           </a:p>
@@ -670,7 +680,7 @@
           <a:p>
             <a:fld id="{D4D87C87-8127-4ECD-94B9-65A96D0B3ACE}" type="datetimeFigureOut">
               <a:rPr lang="ko-KR" altLang="en-US" smtClean="0"/>
-              <a:t>2021-01-05</a:t>
+              <a:t>2021-01-07</a:t>
             </a:fld>
             <a:endParaRPr lang="ko-KR" altLang="en-US"/>
           </a:p>
@@ -868,7 +878,7 @@
           <a:p>
             <a:fld id="{D4D87C87-8127-4ECD-94B9-65A96D0B3ACE}" type="datetimeFigureOut">
               <a:rPr lang="ko-KR" altLang="en-US" smtClean="0"/>
-              <a:t>2021-01-05</a:t>
+              <a:t>2021-01-07</a:t>
             </a:fld>
             <a:endParaRPr lang="ko-KR" altLang="en-US"/>
           </a:p>
@@ -1143,7 +1153,7 @@
           <a:p>
             <a:fld id="{D4D87C87-8127-4ECD-94B9-65A96D0B3ACE}" type="datetimeFigureOut">
               <a:rPr lang="ko-KR" altLang="en-US" smtClean="0"/>
-              <a:t>2021-01-05</a:t>
+              <a:t>2021-01-07</a:t>
             </a:fld>
             <a:endParaRPr lang="ko-KR" altLang="en-US"/>
           </a:p>
@@ -1408,7 +1418,7 @@
           <a:p>
             <a:fld id="{D4D87C87-8127-4ECD-94B9-65A96D0B3ACE}" type="datetimeFigureOut">
               <a:rPr lang="ko-KR" altLang="en-US" smtClean="0"/>
-              <a:t>2021-01-05</a:t>
+              <a:t>2021-01-07</a:t>
             </a:fld>
             <a:endParaRPr lang="ko-KR" altLang="en-US"/>
           </a:p>
@@ -1820,7 +1830,7 @@
           <a:p>
             <a:fld id="{D4D87C87-8127-4ECD-94B9-65A96D0B3ACE}" type="datetimeFigureOut">
               <a:rPr lang="ko-KR" altLang="en-US" smtClean="0"/>
-              <a:t>2021-01-05</a:t>
+              <a:t>2021-01-07</a:t>
             </a:fld>
             <a:endParaRPr lang="ko-KR" altLang="en-US"/>
           </a:p>
@@ -1961,7 +1971,7 @@
           <a:p>
             <a:fld id="{D4D87C87-8127-4ECD-94B9-65A96D0B3ACE}" type="datetimeFigureOut">
               <a:rPr lang="ko-KR" altLang="en-US" smtClean="0"/>
-              <a:t>2021-01-05</a:t>
+              <a:t>2021-01-07</a:t>
             </a:fld>
             <a:endParaRPr lang="ko-KR" altLang="en-US"/>
           </a:p>
@@ -2074,7 +2084,7 @@
           <a:p>
             <a:fld id="{D4D87C87-8127-4ECD-94B9-65A96D0B3ACE}" type="datetimeFigureOut">
               <a:rPr lang="ko-KR" altLang="en-US" smtClean="0"/>
-              <a:t>2021-01-05</a:t>
+              <a:t>2021-01-07</a:t>
             </a:fld>
             <a:endParaRPr lang="ko-KR" altLang="en-US"/>
           </a:p>
@@ -2385,7 +2395,7 @@
           <a:p>
             <a:fld id="{D4D87C87-8127-4ECD-94B9-65A96D0B3ACE}" type="datetimeFigureOut">
               <a:rPr lang="ko-KR" altLang="en-US" smtClean="0"/>
-              <a:t>2021-01-05</a:t>
+              <a:t>2021-01-07</a:t>
             </a:fld>
             <a:endParaRPr lang="ko-KR" altLang="en-US"/>
           </a:p>
@@ -2673,7 +2683,7 @@
           <a:p>
             <a:fld id="{D4D87C87-8127-4ECD-94B9-65A96D0B3ACE}" type="datetimeFigureOut">
               <a:rPr lang="ko-KR" altLang="en-US" smtClean="0"/>
-              <a:t>2021-01-05</a:t>
+              <a:t>2021-01-07</a:t>
             </a:fld>
             <a:endParaRPr lang="ko-KR" altLang="en-US"/>
           </a:p>
@@ -2914,7 +2924,7 @@
           <a:p>
             <a:fld id="{D4D87C87-8127-4ECD-94B9-65A96D0B3ACE}" type="datetimeFigureOut">
               <a:rPr lang="ko-KR" altLang="en-US" smtClean="0"/>
-              <a:t>2021-01-05</a:t>
+              <a:t>2021-01-07</a:t>
             </a:fld>
             <a:endParaRPr lang="ko-KR" altLang="en-US"/>
           </a:p>
@@ -3374,6 +3384,489 @@
 </p:sld>
 </file>
 
+<file path=ppt/slides/slide10.xml><?xml version="1.0" encoding="utf-8"?>
+<p:sld xmlns:a="http://schemas.openxmlformats.org/drawingml/2006/main" xmlns:r="http://schemas.openxmlformats.org/officeDocument/2006/relationships" xmlns:p="http://schemas.openxmlformats.org/presentationml/2006/main">
+  <p:cSld>
+    <p:spTree>
+      <p:nvGrpSpPr>
+        <p:cNvPr id="1" name=""/>
+        <p:cNvGrpSpPr/>
+        <p:nvPr/>
+      </p:nvGrpSpPr>
+      <p:grpSpPr>
+        <a:xfrm>
+          <a:off x="0" y="0"/>
+          <a:ext cx="0" cy="0"/>
+          <a:chOff x="0" y="0"/>
+          <a:chExt cx="0" cy="0"/>
+        </a:xfrm>
+      </p:grpSpPr>
+      <p:pic>
+        <p:nvPicPr>
+          <p:cNvPr id="4" name="그림 3">
+            <a:extLst>
+              <a:ext uri="{FF2B5EF4-FFF2-40B4-BE49-F238E27FC236}">
+                <a16:creationId xmlns:a16="http://schemas.microsoft.com/office/drawing/2014/main" id="{0C6D0CA1-E5E4-4027-89B7-05D7D1A37339}"/>
+              </a:ext>
+            </a:extLst>
+          </p:cNvPr>
+          <p:cNvPicPr>
+            <a:picLocks noChangeAspect="1"/>
+          </p:cNvPicPr>
+          <p:nvPr/>
+        </p:nvPicPr>
+        <p:blipFill>
+          <a:blip r:embed="rId2"/>
+          <a:stretch>
+            <a:fillRect/>
+          </a:stretch>
+        </p:blipFill>
+        <p:spPr>
+          <a:xfrm>
+            <a:off x="2867025" y="838200"/>
+            <a:ext cx="6457950" cy="5181600"/>
+          </a:xfrm>
+          <a:prstGeom prst="rect">
+            <a:avLst/>
+          </a:prstGeom>
+        </p:spPr>
+      </p:pic>
+    </p:spTree>
+    <p:extLst>
+      <p:ext uri="{BB962C8B-B14F-4D97-AF65-F5344CB8AC3E}">
+        <p14:creationId xmlns:p14="http://schemas.microsoft.com/office/powerpoint/2010/main" val="481407990"/>
+      </p:ext>
+    </p:extLst>
+  </p:cSld>
+  <p:clrMapOvr>
+    <a:masterClrMapping/>
+  </p:clrMapOvr>
+</p:sld>
+</file>
+
+<file path=ppt/slides/slide11.xml><?xml version="1.0" encoding="utf-8"?>
+<p:sld xmlns:a="http://schemas.openxmlformats.org/drawingml/2006/main" xmlns:r="http://schemas.openxmlformats.org/officeDocument/2006/relationships" xmlns:p="http://schemas.openxmlformats.org/presentationml/2006/main">
+  <p:cSld>
+    <p:spTree>
+      <p:nvGrpSpPr>
+        <p:cNvPr id="1" name=""/>
+        <p:cNvGrpSpPr/>
+        <p:nvPr/>
+      </p:nvGrpSpPr>
+      <p:grpSpPr>
+        <a:xfrm>
+          <a:off x="0" y="0"/>
+          <a:ext cx="0" cy="0"/>
+          <a:chOff x="0" y="0"/>
+          <a:chExt cx="0" cy="0"/>
+        </a:xfrm>
+      </p:grpSpPr>
+      <p:pic>
+        <p:nvPicPr>
+          <p:cNvPr id="3" name="그림 2">
+            <a:extLst>
+              <a:ext uri="{FF2B5EF4-FFF2-40B4-BE49-F238E27FC236}">
+                <a16:creationId xmlns:a16="http://schemas.microsoft.com/office/drawing/2014/main" id="{82620ECA-D3AA-4326-BA1E-942648C0C4AA}"/>
+              </a:ext>
+            </a:extLst>
+          </p:cNvPr>
+          <p:cNvPicPr>
+            <a:picLocks noChangeAspect="1"/>
+          </p:cNvPicPr>
+          <p:nvPr/>
+        </p:nvPicPr>
+        <p:blipFill>
+          <a:blip r:embed="rId2"/>
+          <a:stretch>
+            <a:fillRect/>
+          </a:stretch>
+        </p:blipFill>
+        <p:spPr>
+          <a:xfrm>
+            <a:off x="4400550" y="895350"/>
+            <a:ext cx="3390900" cy="5067300"/>
+          </a:xfrm>
+          <a:prstGeom prst="rect">
+            <a:avLst/>
+          </a:prstGeom>
+        </p:spPr>
+      </p:pic>
+    </p:spTree>
+    <p:extLst>
+      <p:ext uri="{BB962C8B-B14F-4D97-AF65-F5344CB8AC3E}">
+        <p14:creationId xmlns:p14="http://schemas.microsoft.com/office/powerpoint/2010/main" val="2060448733"/>
+      </p:ext>
+    </p:extLst>
+  </p:cSld>
+  <p:clrMapOvr>
+    <a:masterClrMapping/>
+  </p:clrMapOvr>
+</p:sld>
+</file>
+
+<file path=ppt/slides/slide12.xml><?xml version="1.0" encoding="utf-8"?>
+<p:sld xmlns:a="http://schemas.openxmlformats.org/drawingml/2006/main" xmlns:r="http://schemas.openxmlformats.org/officeDocument/2006/relationships" xmlns:p="http://schemas.openxmlformats.org/presentationml/2006/main">
+  <p:cSld>
+    <p:spTree>
+      <p:nvGrpSpPr>
+        <p:cNvPr id="1" name=""/>
+        <p:cNvGrpSpPr/>
+        <p:nvPr/>
+      </p:nvGrpSpPr>
+      <p:grpSpPr>
+        <a:xfrm>
+          <a:off x="0" y="0"/>
+          <a:ext cx="0" cy="0"/>
+          <a:chOff x="0" y="0"/>
+          <a:chExt cx="0" cy="0"/>
+        </a:xfrm>
+      </p:grpSpPr>
+      <p:pic>
+        <p:nvPicPr>
+          <p:cNvPr id="3" name="그림 2">
+            <a:extLst>
+              <a:ext uri="{FF2B5EF4-FFF2-40B4-BE49-F238E27FC236}">
+                <a16:creationId xmlns:a16="http://schemas.microsoft.com/office/drawing/2014/main" id="{6B106AC9-1DCA-4958-B723-083C7EAE93D8}"/>
+              </a:ext>
+            </a:extLst>
+          </p:cNvPr>
+          <p:cNvPicPr>
+            <a:picLocks noChangeAspect="1"/>
+          </p:cNvPicPr>
+          <p:nvPr/>
+        </p:nvPicPr>
+        <p:blipFill>
+          <a:blip r:embed="rId2"/>
+          <a:stretch>
+            <a:fillRect/>
+          </a:stretch>
+        </p:blipFill>
+        <p:spPr>
+          <a:xfrm>
+            <a:off x="3283239" y="1212562"/>
+            <a:ext cx="3371850" cy="3638550"/>
+          </a:xfrm>
+          <a:prstGeom prst="rect">
+            <a:avLst/>
+          </a:prstGeom>
+        </p:spPr>
+      </p:pic>
+      <p:pic>
+        <p:nvPicPr>
+          <p:cNvPr id="5" name="그림 4">
+            <a:extLst>
+              <a:ext uri="{FF2B5EF4-FFF2-40B4-BE49-F238E27FC236}">
+                <a16:creationId xmlns:a16="http://schemas.microsoft.com/office/drawing/2014/main" id="{231BDB9C-9FC7-4C5F-BAD9-9505E24A82B1}"/>
+              </a:ext>
+            </a:extLst>
+          </p:cNvPr>
+          <p:cNvPicPr>
+            <a:picLocks noChangeAspect="1"/>
+          </p:cNvPicPr>
+          <p:nvPr/>
+        </p:nvPicPr>
+        <p:blipFill>
+          <a:blip r:embed="rId3"/>
+          <a:stretch>
+            <a:fillRect/>
+          </a:stretch>
+        </p:blipFill>
+        <p:spPr>
+          <a:xfrm>
+            <a:off x="6751637" y="1212562"/>
+            <a:ext cx="3362325" cy="3667125"/>
+          </a:xfrm>
+          <a:prstGeom prst="rect">
+            <a:avLst/>
+          </a:prstGeom>
+        </p:spPr>
+      </p:pic>
+    </p:spTree>
+    <p:extLst>
+      <p:ext uri="{BB962C8B-B14F-4D97-AF65-F5344CB8AC3E}">
+        <p14:creationId xmlns:p14="http://schemas.microsoft.com/office/powerpoint/2010/main" val="2929757111"/>
+      </p:ext>
+    </p:extLst>
+  </p:cSld>
+  <p:clrMapOvr>
+    <a:masterClrMapping/>
+  </p:clrMapOvr>
+</p:sld>
+</file>
+
+<file path=ppt/slides/slide13.xml><?xml version="1.0" encoding="utf-8"?>
+<p:sld xmlns:a="http://schemas.openxmlformats.org/drawingml/2006/main" xmlns:r="http://schemas.openxmlformats.org/officeDocument/2006/relationships" xmlns:p="http://schemas.openxmlformats.org/presentationml/2006/main">
+  <p:cSld>
+    <p:spTree>
+      <p:nvGrpSpPr>
+        <p:cNvPr id="1" name=""/>
+        <p:cNvGrpSpPr/>
+        <p:nvPr/>
+      </p:nvGrpSpPr>
+      <p:grpSpPr>
+        <a:xfrm>
+          <a:off x="0" y="0"/>
+          <a:ext cx="0" cy="0"/>
+          <a:chOff x="0" y="0"/>
+          <a:chExt cx="0" cy="0"/>
+        </a:xfrm>
+      </p:grpSpPr>
+      <p:sp>
+        <p:nvSpPr>
+          <p:cNvPr id="2" name="Rectangle 1">
+            <a:extLst>
+              <a:ext uri="{FF2B5EF4-FFF2-40B4-BE49-F238E27FC236}">
+                <a16:creationId xmlns:a16="http://schemas.microsoft.com/office/drawing/2014/main" id="{13D38DB7-4E0C-4338-81AB-A26CDF08F8B3}"/>
+              </a:ext>
+            </a:extLst>
+          </p:cNvPr>
+          <p:cNvSpPr>
+            <a:spLocks noChangeArrowheads="1"/>
+          </p:cNvSpPr>
+          <p:nvPr/>
+        </p:nvSpPr>
+        <p:spPr bwMode="auto">
+          <a:xfrm>
+            <a:off x="0" y="-323165"/>
+            <a:ext cx="184731" cy="646331"/>
+          </a:xfrm>
+          <a:prstGeom prst="rect">
+            <a:avLst/>
+          </a:prstGeom>
+          <a:noFill/>
+          <a:ln>
+            <a:noFill/>
+          </a:ln>
+          <a:effectLst/>
+          <a:extLst>
+            <a:ext uri="{909E8E84-426E-40DD-AFC4-6F175D3DCCD1}">
+              <a14:hiddenFill xmlns:a14="http://schemas.microsoft.com/office/drawing/2010/main">
+                <a:solidFill>
+                  <a:schemeClr val="accent1"/>
+                </a:solidFill>
+              </a14:hiddenFill>
+            </a:ext>
+            <a:ext uri="{91240B29-F687-4F45-9708-019B960494DF}">
+              <a14:hiddenLine xmlns:a14="http://schemas.microsoft.com/office/drawing/2010/main" w="9525">
+                <a:solidFill>
+                  <a:schemeClr val="tx1"/>
+                </a:solidFill>
+                <a:miter lim="800000"/>
+                <a:headEnd/>
+                <a:tailEnd/>
+              </a14:hiddenLine>
+            </a:ext>
+            <a:ext uri="{AF507438-7753-43E0-B8FC-AC1667EBCBE1}">
+              <a14:hiddenEffects xmlns:a14="http://schemas.microsoft.com/office/drawing/2010/main">
+                <a:effectLst>
+                  <a:outerShdw dist="35921" dir="2700000" algn="ctr" rotWithShape="0">
+                    <a:schemeClr val="bg2"/>
+                  </a:outerShdw>
+                </a:effectLst>
+              </a14:hiddenEffects>
+            </a:ext>
+          </a:extLst>
+        </p:spPr>
+        <p:txBody>
+          <a:bodyPr vert="horz" wrap="none" lIns="91440" tIns="45720" rIns="91440" bIns="45720" numCol="1" anchor="ctr" anchorCtr="0" compatLnSpc="1">
+            <a:prstTxWarp prst="textNoShape">
+              <a:avLst/>
+            </a:prstTxWarp>
+            <a:spAutoFit/>
+          </a:bodyPr>
+          <a:lstStyle/>
+          <a:p>
+            <a:pPr marL="0" marR="0" lvl="0" indent="0" algn="l" defTabSz="914400" rtl="0" eaLnBrk="0" fontAlgn="base" latinLnBrk="0" hangingPunct="0">
+              <a:lnSpc>
+                <a:spcPct val="100000"/>
+              </a:lnSpc>
+              <a:spcBef>
+                <a:spcPct val="0"/>
+              </a:spcBef>
+              <a:spcAft>
+                <a:spcPct val="0"/>
+              </a:spcAft>
+              <a:buClrTx/>
+              <a:buSzTx/>
+              <a:buFontTx/>
+              <a:buNone/>
+              <a:tabLst/>
+            </a:pPr>
+            <a:br>
+              <a:rPr kumimoji="0" lang="ko-KR" altLang="ko-KR" sz="1800" b="0" i="0" u="none" strike="noStrike" cap="none" normalizeH="0" baseline="0" dirty="0">
+                <a:ln>
+                  <a:noFill/>
+                </a:ln>
+                <a:solidFill>
+                  <a:schemeClr val="tx1"/>
+                </a:solidFill>
+                <a:effectLst/>
+                <a:latin typeface="Arial" panose="020B0604020202020204" pitchFamily="34" charset="0"/>
+              </a:rPr>
+            </a:br>
+            <a:endParaRPr kumimoji="0" lang="ko-KR" altLang="ko-KR" sz="1800" b="0" i="0" u="none" strike="noStrike" cap="none" normalizeH="0" baseline="0" dirty="0">
+              <a:ln>
+                <a:noFill/>
+              </a:ln>
+              <a:solidFill>
+                <a:schemeClr val="tx1"/>
+              </a:solidFill>
+              <a:effectLst/>
+              <a:latin typeface="Arial" panose="020B0604020202020204" pitchFamily="34" charset="0"/>
+            </a:endParaRPr>
+          </a:p>
+        </p:txBody>
+      </p:sp>
+      <p:pic>
+        <p:nvPicPr>
+          <p:cNvPr id="2050" name="Picture 2">
+            <a:extLst>
+              <a:ext uri="{FF2B5EF4-FFF2-40B4-BE49-F238E27FC236}">
+                <a16:creationId xmlns:a16="http://schemas.microsoft.com/office/drawing/2014/main" id="{37A15253-572A-4185-98F4-6196BB6FC979}"/>
+              </a:ext>
+            </a:extLst>
+          </p:cNvPr>
+          <p:cNvPicPr>
+            <a:picLocks noChangeAspect="1" noChangeArrowheads="1"/>
+          </p:cNvPicPr>
+          <p:nvPr/>
+        </p:nvPicPr>
+        <p:blipFill>
+          <a:blip r:embed="rId2">
+            <a:extLst>
+              <a:ext uri="{28A0092B-C50C-407E-A947-70E740481C1C}">
+                <a14:useLocalDpi xmlns:a14="http://schemas.microsoft.com/office/drawing/2010/main" val="0"/>
+              </a:ext>
+            </a:extLst>
+          </a:blip>
+          <a:srcRect/>
+          <a:stretch>
+            <a:fillRect/>
+          </a:stretch>
+        </p:blipFill>
+        <p:spPr bwMode="auto">
+          <a:xfrm>
+            <a:off x="4209473" y="1242002"/>
+            <a:ext cx="3371850" cy="3657600"/>
+          </a:xfrm>
+          <a:prstGeom prst="rect">
+            <a:avLst/>
+          </a:prstGeom>
+          <a:noFill/>
+          <a:extLst>
+            <a:ext uri="{909E8E84-426E-40DD-AFC4-6F175D3DCCD1}">
+              <a14:hiddenFill xmlns:a14="http://schemas.microsoft.com/office/drawing/2010/main">
+                <a:solidFill>
+                  <a:srgbClr val="FFFFFF"/>
+                </a:solidFill>
+              </a14:hiddenFill>
+            </a:ext>
+          </a:extLst>
+        </p:spPr>
+      </p:pic>
+    </p:spTree>
+    <p:extLst>
+      <p:ext uri="{BB962C8B-B14F-4D97-AF65-F5344CB8AC3E}">
+        <p14:creationId xmlns:p14="http://schemas.microsoft.com/office/powerpoint/2010/main" val="1494568704"/>
+      </p:ext>
+    </p:extLst>
+  </p:cSld>
+  <p:clrMapOvr>
+    <a:masterClrMapping/>
+  </p:clrMapOvr>
+</p:sld>
+</file>
+
+<file path=ppt/slides/slide14.xml><?xml version="1.0" encoding="utf-8"?>
+<p:sld xmlns:a="http://schemas.openxmlformats.org/drawingml/2006/main" xmlns:r="http://schemas.openxmlformats.org/officeDocument/2006/relationships" xmlns:p="http://schemas.openxmlformats.org/presentationml/2006/main">
+  <p:cSld>
+    <p:spTree>
+      <p:nvGrpSpPr>
+        <p:cNvPr id="1" name=""/>
+        <p:cNvGrpSpPr/>
+        <p:nvPr/>
+      </p:nvGrpSpPr>
+      <p:grpSpPr>
+        <a:xfrm>
+          <a:off x="0" y="0"/>
+          <a:ext cx="0" cy="0"/>
+          <a:chOff x="0" y="0"/>
+          <a:chExt cx="0" cy="0"/>
+        </a:xfrm>
+      </p:grpSpPr>
+    </p:spTree>
+    <p:extLst>
+      <p:ext uri="{BB962C8B-B14F-4D97-AF65-F5344CB8AC3E}">
+        <p14:creationId xmlns:p14="http://schemas.microsoft.com/office/powerpoint/2010/main" val="3873502547"/>
+      </p:ext>
+    </p:extLst>
+  </p:cSld>
+  <p:clrMapOvr>
+    <a:masterClrMapping/>
+  </p:clrMapOvr>
+</p:sld>
+</file>
+
+<file path=ppt/slides/slide15.xml><?xml version="1.0" encoding="utf-8"?>
+<p:sld xmlns:a="http://schemas.openxmlformats.org/drawingml/2006/main" xmlns:r="http://schemas.openxmlformats.org/officeDocument/2006/relationships" xmlns:p="http://schemas.openxmlformats.org/presentationml/2006/main">
+  <p:cSld>
+    <p:spTree>
+      <p:nvGrpSpPr>
+        <p:cNvPr id="1" name=""/>
+        <p:cNvGrpSpPr/>
+        <p:nvPr/>
+      </p:nvGrpSpPr>
+      <p:grpSpPr>
+        <a:xfrm>
+          <a:off x="0" y="0"/>
+          <a:ext cx="0" cy="0"/>
+          <a:chOff x="0" y="0"/>
+          <a:chExt cx="0" cy="0"/>
+        </a:xfrm>
+      </p:grpSpPr>
+    </p:spTree>
+    <p:extLst>
+      <p:ext uri="{BB962C8B-B14F-4D97-AF65-F5344CB8AC3E}">
+        <p14:creationId xmlns:p14="http://schemas.microsoft.com/office/powerpoint/2010/main" val="1860492601"/>
+      </p:ext>
+    </p:extLst>
+  </p:cSld>
+  <p:clrMapOvr>
+    <a:masterClrMapping/>
+  </p:clrMapOvr>
+</p:sld>
+</file>
+
+<file path=ppt/slides/slide16.xml><?xml version="1.0" encoding="utf-8"?>
+<p:sld xmlns:a="http://schemas.openxmlformats.org/drawingml/2006/main" xmlns:r="http://schemas.openxmlformats.org/officeDocument/2006/relationships" xmlns:p="http://schemas.openxmlformats.org/presentationml/2006/main">
+  <p:cSld>
+    <p:spTree>
+      <p:nvGrpSpPr>
+        <p:cNvPr id="1" name=""/>
+        <p:cNvGrpSpPr/>
+        <p:nvPr/>
+      </p:nvGrpSpPr>
+      <p:grpSpPr>
+        <a:xfrm>
+          <a:off x="0" y="0"/>
+          <a:ext cx="0" cy="0"/>
+          <a:chOff x="0" y="0"/>
+          <a:chExt cx="0" cy="0"/>
+        </a:xfrm>
+      </p:grpSpPr>
+    </p:spTree>
+    <p:extLst>
+      <p:ext uri="{BB962C8B-B14F-4D97-AF65-F5344CB8AC3E}">
+        <p14:creationId xmlns:p14="http://schemas.microsoft.com/office/powerpoint/2010/main" val="2346426040"/>
+      </p:ext>
+    </p:extLst>
+  </p:cSld>
+  <p:clrMapOvr>
+    <a:masterClrMapping/>
+  </p:clrMapOvr>
+</p:sld>
+</file>
+
 <file path=ppt/slides/slide2.xml><?xml version="1.0" encoding="utf-8"?>
 <p:sld xmlns:a="http://schemas.openxmlformats.org/drawingml/2006/main" xmlns:r="http://schemas.openxmlformats.org/officeDocument/2006/relationships" xmlns:p="http://schemas.openxmlformats.org/presentationml/2006/main">
   <p:cSld>
@@ -3768,10 +4261,220 @@
           <a:chExt cx="0" cy="0"/>
         </a:xfrm>
       </p:grpSpPr>
+      <p:pic>
+        <p:nvPicPr>
+          <p:cNvPr id="3" name="그림 2">
+            <a:extLst>
+              <a:ext uri="{FF2B5EF4-FFF2-40B4-BE49-F238E27FC236}">
+                <a16:creationId xmlns:a16="http://schemas.microsoft.com/office/drawing/2014/main" id="{19062877-A1EB-4C09-A40A-46FE3A6B0A72}"/>
+              </a:ext>
+            </a:extLst>
+          </p:cNvPr>
+          <p:cNvPicPr>
+            <a:picLocks noChangeAspect="1"/>
+          </p:cNvPicPr>
+          <p:nvPr/>
+        </p:nvPicPr>
+        <p:blipFill>
+          <a:blip r:embed="rId2"/>
+          <a:stretch>
+            <a:fillRect/>
+          </a:stretch>
+        </p:blipFill>
+        <p:spPr>
+          <a:xfrm>
+            <a:off x="3162300" y="1647825"/>
+            <a:ext cx="5867400" cy="3562350"/>
+          </a:xfrm>
+          <a:prstGeom prst="rect">
+            <a:avLst/>
+          </a:prstGeom>
+        </p:spPr>
+      </p:pic>
     </p:spTree>
     <p:extLst>
       <p:ext uri="{BB962C8B-B14F-4D97-AF65-F5344CB8AC3E}">
         <p14:creationId xmlns:p14="http://schemas.microsoft.com/office/powerpoint/2010/main" val="3610709236"/>
+      </p:ext>
+    </p:extLst>
+  </p:cSld>
+  <p:clrMapOvr>
+    <a:masterClrMapping/>
+  </p:clrMapOvr>
+</p:sld>
+</file>
+
+<file path=ppt/slides/slide7.xml><?xml version="1.0" encoding="utf-8"?>
+<p:sld xmlns:a="http://schemas.openxmlformats.org/drawingml/2006/main" xmlns:r="http://schemas.openxmlformats.org/officeDocument/2006/relationships" xmlns:p="http://schemas.openxmlformats.org/presentationml/2006/main">
+  <p:cSld>
+    <p:spTree>
+      <p:nvGrpSpPr>
+        <p:cNvPr id="1" name=""/>
+        <p:cNvGrpSpPr/>
+        <p:nvPr/>
+      </p:nvGrpSpPr>
+      <p:grpSpPr>
+        <a:xfrm>
+          <a:off x="0" y="0"/>
+          <a:ext cx="0" cy="0"/>
+          <a:chOff x="0" y="0"/>
+          <a:chExt cx="0" cy="0"/>
+        </a:xfrm>
+      </p:grpSpPr>
+      <p:pic>
+        <p:nvPicPr>
+          <p:cNvPr id="3" name="그림 2">
+            <a:extLst>
+              <a:ext uri="{FF2B5EF4-FFF2-40B4-BE49-F238E27FC236}">
+                <a16:creationId xmlns:a16="http://schemas.microsoft.com/office/drawing/2014/main" id="{108C5C7A-0575-4B46-B557-A6906917B62F}"/>
+              </a:ext>
+            </a:extLst>
+          </p:cNvPr>
+          <p:cNvPicPr>
+            <a:picLocks noChangeAspect="1"/>
+          </p:cNvPicPr>
+          <p:nvPr/>
+        </p:nvPicPr>
+        <p:blipFill>
+          <a:blip r:embed="rId2"/>
+          <a:stretch>
+            <a:fillRect/>
+          </a:stretch>
+        </p:blipFill>
+        <p:spPr>
+          <a:xfrm>
+            <a:off x="4367212" y="1909762"/>
+            <a:ext cx="3457575" cy="3038475"/>
+          </a:xfrm>
+          <a:prstGeom prst="rect">
+            <a:avLst/>
+          </a:prstGeom>
+        </p:spPr>
+      </p:pic>
+    </p:spTree>
+    <p:extLst>
+      <p:ext uri="{BB962C8B-B14F-4D97-AF65-F5344CB8AC3E}">
+        <p14:creationId xmlns:p14="http://schemas.microsoft.com/office/powerpoint/2010/main" val="1310326193"/>
+      </p:ext>
+    </p:extLst>
+  </p:cSld>
+  <p:clrMapOvr>
+    <a:masterClrMapping/>
+  </p:clrMapOvr>
+</p:sld>
+</file>
+
+<file path=ppt/slides/slide8.xml><?xml version="1.0" encoding="utf-8"?>
+<p:sld xmlns:a="http://schemas.openxmlformats.org/drawingml/2006/main" xmlns:r="http://schemas.openxmlformats.org/officeDocument/2006/relationships" xmlns:p="http://schemas.openxmlformats.org/presentationml/2006/main">
+  <p:cSld>
+    <p:spTree>
+      <p:nvGrpSpPr>
+        <p:cNvPr id="1" name=""/>
+        <p:cNvGrpSpPr/>
+        <p:nvPr/>
+      </p:nvGrpSpPr>
+      <p:grpSpPr>
+        <a:xfrm>
+          <a:off x="0" y="0"/>
+          <a:ext cx="0" cy="0"/>
+          <a:chOff x="0" y="0"/>
+          <a:chExt cx="0" cy="0"/>
+        </a:xfrm>
+      </p:grpSpPr>
+      <p:pic>
+        <p:nvPicPr>
+          <p:cNvPr id="7" name="그림 6">
+            <a:extLst>
+              <a:ext uri="{FF2B5EF4-FFF2-40B4-BE49-F238E27FC236}">
+                <a16:creationId xmlns:a16="http://schemas.microsoft.com/office/drawing/2014/main" id="{921BA545-451B-4F55-86C3-D50B36531CF0}"/>
+              </a:ext>
+            </a:extLst>
+          </p:cNvPr>
+          <p:cNvPicPr>
+            <a:picLocks noChangeAspect="1"/>
+          </p:cNvPicPr>
+          <p:nvPr/>
+        </p:nvPicPr>
+        <p:blipFill>
+          <a:blip r:embed="rId2"/>
+          <a:stretch>
+            <a:fillRect/>
+          </a:stretch>
+        </p:blipFill>
+        <p:spPr>
+          <a:xfrm>
+            <a:off x="3057525" y="971550"/>
+            <a:ext cx="6076950" cy="4914900"/>
+          </a:xfrm>
+          <a:prstGeom prst="rect">
+            <a:avLst/>
+          </a:prstGeom>
+        </p:spPr>
+      </p:pic>
+    </p:spTree>
+    <p:extLst>
+      <p:ext uri="{BB962C8B-B14F-4D97-AF65-F5344CB8AC3E}">
+        <p14:creationId xmlns:p14="http://schemas.microsoft.com/office/powerpoint/2010/main" val="24149015"/>
+      </p:ext>
+    </p:extLst>
+  </p:cSld>
+  <p:clrMapOvr>
+    <a:masterClrMapping/>
+  </p:clrMapOvr>
+</p:sld>
+</file>
+
+<file path=ppt/slides/slide9.xml><?xml version="1.0" encoding="utf-8"?>
+<p:sld xmlns:a="http://schemas.openxmlformats.org/drawingml/2006/main" xmlns:r="http://schemas.openxmlformats.org/officeDocument/2006/relationships" xmlns:p="http://schemas.openxmlformats.org/presentationml/2006/main">
+  <p:cSld>
+    <p:spTree>
+      <p:nvGrpSpPr>
+        <p:cNvPr id="1" name=""/>
+        <p:cNvGrpSpPr/>
+        <p:nvPr/>
+      </p:nvGrpSpPr>
+      <p:grpSpPr>
+        <a:xfrm>
+          <a:off x="0" y="0"/>
+          <a:ext cx="0" cy="0"/>
+          <a:chOff x="0" y="0"/>
+          <a:chExt cx="0" cy="0"/>
+        </a:xfrm>
+      </p:grpSpPr>
+      <p:pic>
+        <p:nvPicPr>
+          <p:cNvPr id="5" name="그림 4">
+            <a:extLst>
+              <a:ext uri="{FF2B5EF4-FFF2-40B4-BE49-F238E27FC236}">
+                <a16:creationId xmlns:a16="http://schemas.microsoft.com/office/drawing/2014/main" id="{E02B14B0-7533-400D-BCA8-81E615582105}"/>
+              </a:ext>
+            </a:extLst>
+          </p:cNvPr>
+          <p:cNvPicPr>
+            <a:picLocks noChangeAspect="1"/>
+          </p:cNvPicPr>
+          <p:nvPr/>
+        </p:nvPicPr>
+        <p:blipFill>
+          <a:blip r:embed="rId2"/>
+          <a:stretch>
+            <a:fillRect/>
+          </a:stretch>
+        </p:blipFill>
+        <p:spPr>
+          <a:xfrm>
+            <a:off x="2919412" y="542925"/>
+            <a:ext cx="6353175" cy="5772150"/>
+          </a:xfrm>
+          <a:prstGeom prst="rect">
+            <a:avLst/>
+          </a:prstGeom>
+        </p:spPr>
+      </p:pic>
+    </p:spTree>
+    <p:extLst>
+      <p:ext uri="{BB962C8B-B14F-4D97-AF65-F5344CB8AC3E}">
+        <p14:creationId xmlns:p14="http://schemas.microsoft.com/office/powerpoint/2010/main" val="236240910"/>
       </p:ext>
     </p:extLst>
   </p:cSld>

--- a/CSharpWrapperActiveXCtrl.pptx
+++ b/CSharpWrapperActiveXCtrl.pptx
@@ -19,8 +19,11 @@
     <p:sldId id="273" r:id="rId13"/>
     <p:sldId id="274" r:id="rId14"/>
     <p:sldId id="275" r:id="rId15"/>
-    <p:sldId id="276" r:id="rId16"/>
-    <p:sldId id="277" r:id="rId17"/>
+    <p:sldId id="277" r:id="rId16"/>
+    <p:sldId id="278" r:id="rId17"/>
+    <p:sldId id="276" r:id="rId18"/>
+    <p:sldId id="279" r:id="rId19"/>
+    <p:sldId id="280" r:id="rId20"/>
   </p:sldIdLst>
   <p:sldSz cx="12192000" cy="6858000"/>
   <p:notesSz cx="6858000" cy="9144000"/>
@@ -3719,49 +3722,32 @@
       </p:sp>
       <p:pic>
         <p:nvPicPr>
-          <p:cNvPr id="2050" name="Picture 2">
-            <a:extLst>
-              <a:ext uri="{FF2B5EF4-FFF2-40B4-BE49-F238E27FC236}">
-                <a16:creationId xmlns:a16="http://schemas.microsoft.com/office/drawing/2014/main" id="{37A15253-572A-4185-98F4-6196BB6FC979}"/>
+          <p:cNvPr id="4" name="그림 3">
+            <a:extLst>
+              <a:ext uri="{FF2B5EF4-FFF2-40B4-BE49-F238E27FC236}">
+                <a16:creationId xmlns:a16="http://schemas.microsoft.com/office/drawing/2014/main" id="{A9426F4F-EF51-4D0F-A61E-3E1BBADDB6B7}"/>
               </a:ext>
             </a:extLst>
           </p:cNvPr>
           <p:cNvPicPr>
-            <a:picLocks noChangeAspect="1" noChangeArrowheads="1"/>
+            <a:picLocks noChangeAspect="1"/>
           </p:cNvPicPr>
           <p:nvPr/>
         </p:nvPicPr>
         <p:blipFill>
-          <a:blip r:embed="rId2">
-            <a:extLst>
-              <a:ext uri="{28A0092B-C50C-407E-A947-70E740481C1C}">
-                <a14:useLocalDpi xmlns:a14="http://schemas.microsoft.com/office/drawing/2010/main" val="0"/>
-              </a:ext>
-            </a:extLst>
-          </a:blip>
-          <a:srcRect/>
+          <a:blip r:embed="rId2"/>
           <a:stretch>
             <a:fillRect/>
           </a:stretch>
         </p:blipFill>
-        <p:spPr bwMode="auto">
+        <p:spPr>
           <a:xfrm>
-            <a:off x="4209473" y="1242002"/>
-            <a:ext cx="3371850" cy="3657600"/>
+            <a:off x="4410075" y="1604962"/>
+            <a:ext cx="3371850" cy="3648075"/>
           </a:xfrm>
           <a:prstGeom prst="rect">
             <a:avLst/>
           </a:prstGeom>
-          <a:noFill/>
-          <a:extLst>
-            <a:ext uri="{909E8E84-426E-40DD-AFC4-6F175D3DCCD1}">
-              <a14:hiddenFill xmlns:a14="http://schemas.microsoft.com/office/drawing/2010/main">
-                <a:solidFill>
-                  <a:srgbClr val="FFFFFF"/>
-                </a:solidFill>
-              </a14:hiddenFill>
-            </a:ext>
-          </a:extLst>
         </p:spPr>
       </p:pic>
     </p:spTree>
@@ -3794,6 +3780,66 @@
           <a:chExt cx="0" cy="0"/>
         </a:xfrm>
       </p:grpSpPr>
+      <p:pic>
+        <p:nvPicPr>
+          <p:cNvPr id="3" name="그림 2">
+            <a:extLst>
+              <a:ext uri="{FF2B5EF4-FFF2-40B4-BE49-F238E27FC236}">
+                <a16:creationId xmlns:a16="http://schemas.microsoft.com/office/drawing/2014/main" id="{4BE562FD-1C0E-4E59-8B5A-EBFC39ABA0D7}"/>
+              </a:ext>
+            </a:extLst>
+          </p:cNvPr>
+          <p:cNvPicPr>
+            <a:picLocks noChangeAspect="1"/>
+          </p:cNvPicPr>
+          <p:nvPr/>
+        </p:nvPicPr>
+        <p:blipFill>
+          <a:blip r:embed="rId2"/>
+          <a:stretch>
+            <a:fillRect/>
+          </a:stretch>
+        </p:blipFill>
+        <p:spPr>
+          <a:xfrm>
+            <a:off x="2410546" y="1588366"/>
+            <a:ext cx="3362325" cy="3219450"/>
+          </a:xfrm>
+          <a:prstGeom prst="rect">
+            <a:avLst/>
+          </a:prstGeom>
+        </p:spPr>
+      </p:pic>
+      <p:pic>
+        <p:nvPicPr>
+          <p:cNvPr id="5" name="그림 4">
+            <a:extLst>
+              <a:ext uri="{FF2B5EF4-FFF2-40B4-BE49-F238E27FC236}">
+                <a16:creationId xmlns:a16="http://schemas.microsoft.com/office/drawing/2014/main" id="{08B4D418-B780-457D-A32E-873521D13CC6}"/>
+              </a:ext>
+            </a:extLst>
+          </p:cNvPr>
+          <p:cNvPicPr>
+            <a:picLocks noChangeAspect="1"/>
+          </p:cNvPicPr>
+          <p:nvPr/>
+        </p:nvPicPr>
+        <p:blipFill>
+          <a:blip r:embed="rId3"/>
+          <a:stretch>
+            <a:fillRect/>
+          </a:stretch>
+        </p:blipFill>
+        <p:spPr>
+          <a:xfrm>
+            <a:off x="5984875" y="1588366"/>
+            <a:ext cx="5505450" cy="3829050"/>
+          </a:xfrm>
+          <a:prstGeom prst="rect">
+            <a:avLst/>
+          </a:prstGeom>
+        </p:spPr>
+      </p:pic>
     </p:spTree>
     <p:extLst>
       <p:ext uri="{BB962C8B-B14F-4D97-AF65-F5344CB8AC3E}">
@@ -3824,10 +3870,40 @@
           <a:chExt cx="0" cy="0"/>
         </a:xfrm>
       </p:grpSpPr>
+      <p:pic>
+        <p:nvPicPr>
+          <p:cNvPr id="3" name="그림 2">
+            <a:extLst>
+              <a:ext uri="{FF2B5EF4-FFF2-40B4-BE49-F238E27FC236}">
+                <a16:creationId xmlns:a16="http://schemas.microsoft.com/office/drawing/2014/main" id="{AAB52698-8C82-432D-844F-A88C60D6CCC5}"/>
+              </a:ext>
+            </a:extLst>
+          </p:cNvPr>
+          <p:cNvPicPr>
+            <a:picLocks noChangeAspect="1"/>
+          </p:cNvPicPr>
+          <p:nvPr/>
+        </p:nvPicPr>
+        <p:blipFill>
+          <a:blip r:embed="rId2"/>
+          <a:stretch>
+            <a:fillRect/>
+          </a:stretch>
+        </p:blipFill>
+        <p:spPr>
+          <a:xfrm>
+            <a:off x="390975" y="636378"/>
+            <a:ext cx="7001864" cy="3883864"/>
+          </a:xfrm>
+          <a:prstGeom prst="rect">
+            <a:avLst/>
+          </a:prstGeom>
+        </p:spPr>
+      </p:pic>
     </p:spTree>
     <p:extLst>
       <p:ext uri="{BB962C8B-B14F-4D97-AF65-F5344CB8AC3E}">
-        <p14:creationId xmlns:p14="http://schemas.microsoft.com/office/powerpoint/2010/main" val="1860492601"/>
+        <p14:creationId xmlns:p14="http://schemas.microsoft.com/office/powerpoint/2010/main" val="2346426040"/>
       </p:ext>
     </p:extLst>
   </p:cSld>
@@ -3854,10 +3930,211 @@
           <a:chExt cx="0" cy="0"/>
         </a:xfrm>
       </p:grpSpPr>
+      <p:grpSp>
+        <p:nvGrpSpPr>
+          <p:cNvPr id="2" name="그룹 1">
+            <a:extLst>
+              <a:ext uri="{FF2B5EF4-FFF2-40B4-BE49-F238E27FC236}">
+                <a16:creationId xmlns:a16="http://schemas.microsoft.com/office/drawing/2014/main" id="{BEC0B1B7-47DF-4B2C-B04E-59C2F28E743C}"/>
+              </a:ext>
+            </a:extLst>
+          </p:cNvPr>
+          <p:cNvGrpSpPr/>
+          <p:nvPr/>
+        </p:nvGrpSpPr>
+        <p:grpSpPr>
+          <a:xfrm>
+            <a:off x="1616063" y="976398"/>
+            <a:ext cx="6749062" cy="3529642"/>
+            <a:chOff x="4850968" y="2865582"/>
+            <a:chExt cx="6749062" cy="3529642"/>
+          </a:xfrm>
+        </p:grpSpPr>
+        <p:pic>
+          <p:nvPicPr>
+            <p:cNvPr id="3" name="그림 2">
+              <a:extLst>
+                <a:ext uri="{FF2B5EF4-FFF2-40B4-BE49-F238E27FC236}">
+                  <a16:creationId xmlns:a16="http://schemas.microsoft.com/office/drawing/2014/main" id="{01B99BC5-F60F-4C5D-89EC-B4CFA248926E}"/>
+                </a:ext>
+              </a:extLst>
+            </p:cNvPr>
+            <p:cNvPicPr>
+              <a:picLocks noChangeAspect="1"/>
+            </p:cNvPicPr>
+            <p:nvPr/>
+          </p:nvPicPr>
+          <p:blipFill>
+            <a:blip r:embed="rId2"/>
+            <a:stretch>
+              <a:fillRect/>
+            </a:stretch>
+          </p:blipFill>
+          <p:spPr>
+            <a:xfrm>
+              <a:off x="4850968" y="2865582"/>
+              <a:ext cx="6749062" cy="3529642"/>
+            </a:xfrm>
+            <a:prstGeom prst="rect">
+              <a:avLst/>
+            </a:prstGeom>
+          </p:spPr>
+        </p:pic>
+        <p:pic>
+          <p:nvPicPr>
+            <p:cNvPr id="4" name="그림 3">
+              <a:extLst>
+                <a:ext uri="{FF2B5EF4-FFF2-40B4-BE49-F238E27FC236}">
+                  <a16:creationId xmlns:a16="http://schemas.microsoft.com/office/drawing/2014/main" id="{1F6B58D4-97ED-4B79-9577-80769005C4F3}"/>
+                </a:ext>
+              </a:extLst>
+            </p:cNvPr>
+            <p:cNvPicPr>
+              <a:picLocks noChangeAspect="1"/>
+            </p:cNvPicPr>
+            <p:nvPr/>
+          </p:nvPicPr>
+          <p:blipFill>
+            <a:blip r:embed="rId3"/>
+            <a:stretch>
+              <a:fillRect/>
+            </a:stretch>
+          </p:blipFill>
+          <p:spPr>
+            <a:xfrm>
+              <a:off x="6767368" y="4296260"/>
+              <a:ext cx="2635249" cy="991480"/>
+            </a:xfrm>
+            <a:prstGeom prst="rect">
+              <a:avLst/>
+            </a:prstGeom>
+          </p:spPr>
+        </p:pic>
+      </p:grpSp>
     </p:spTree>
     <p:extLst>
       <p:ext uri="{BB962C8B-B14F-4D97-AF65-F5344CB8AC3E}">
-        <p14:creationId xmlns:p14="http://schemas.microsoft.com/office/powerpoint/2010/main" val="2346426040"/>
+        <p14:creationId xmlns:p14="http://schemas.microsoft.com/office/powerpoint/2010/main" val="463410656"/>
+      </p:ext>
+    </p:extLst>
+  </p:cSld>
+  <p:clrMapOvr>
+    <a:masterClrMapping/>
+  </p:clrMapOvr>
+</p:sld>
+</file>
+
+<file path=ppt/slides/slide17.xml><?xml version="1.0" encoding="utf-8"?>
+<p:sld xmlns:a="http://schemas.openxmlformats.org/drawingml/2006/main" xmlns:r="http://schemas.openxmlformats.org/officeDocument/2006/relationships" xmlns:p="http://schemas.openxmlformats.org/presentationml/2006/main">
+  <p:cSld>
+    <p:spTree>
+      <p:nvGrpSpPr>
+        <p:cNvPr id="1" name=""/>
+        <p:cNvGrpSpPr/>
+        <p:nvPr/>
+      </p:nvGrpSpPr>
+      <p:grpSpPr>
+        <a:xfrm>
+          <a:off x="0" y="0"/>
+          <a:ext cx="0" cy="0"/>
+          <a:chOff x="0" y="0"/>
+          <a:chExt cx="0" cy="0"/>
+        </a:xfrm>
+      </p:grpSpPr>
+      <p:pic>
+        <p:nvPicPr>
+          <p:cNvPr id="3" name="그림 2">
+            <a:extLst>
+              <a:ext uri="{FF2B5EF4-FFF2-40B4-BE49-F238E27FC236}">
+                <a16:creationId xmlns:a16="http://schemas.microsoft.com/office/drawing/2014/main" id="{65CBF4A1-E0FD-407E-BF54-4F824438350C}"/>
+              </a:ext>
+            </a:extLst>
+          </p:cNvPr>
+          <p:cNvPicPr>
+            <a:picLocks noChangeAspect="1"/>
+          </p:cNvPicPr>
+          <p:nvPr/>
+        </p:nvPicPr>
+        <p:blipFill>
+          <a:blip r:embed="rId2"/>
+          <a:stretch>
+            <a:fillRect/>
+          </a:stretch>
+        </p:blipFill>
+        <p:spPr>
+          <a:xfrm>
+            <a:off x="1993757" y="224286"/>
+            <a:ext cx="6811129" cy="5969479"/>
+          </a:xfrm>
+          <a:prstGeom prst="rect">
+            <a:avLst/>
+          </a:prstGeom>
+        </p:spPr>
+      </p:pic>
+    </p:spTree>
+    <p:extLst>
+      <p:ext uri="{BB962C8B-B14F-4D97-AF65-F5344CB8AC3E}">
+        <p14:creationId xmlns:p14="http://schemas.microsoft.com/office/powerpoint/2010/main" val="1860492601"/>
+      </p:ext>
+    </p:extLst>
+  </p:cSld>
+  <p:clrMapOvr>
+    <a:masterClrMapping/>
+  </p:clrMapOvr>
+</p:sld>
+</file>
+
+<file path=ppt/slides/slide18.xml><?xml version="1.0" encoding="utf-8"?>
+<p:sld xmlns:a="http://schemas.openxmlformats.org/drawingml/2006/main" xmlns:r="http://schemas.openxmlformats.org/officeDocument/2006/relationships" xmlns:p="http://schemas.openxmlformats.org/presentationml/2006/main">
+  <p:cSld>
+    <p:spTree>
+      <p:nvGrpSpPr>
+        <p:cNvPr id="1" name=""/>
+        <p:cNvGrpSpPr/>
+        <p:nvPr/>
+      </p:nvGrpSpPr>
+      <p:grpSpPr>
+        <a:xfrm>
+          <a:off x="0" y="0"/>
+          <a:ext cx="0" cy="0"/>
+          <a:chOff x="0" y="0"/>
+          <a:chExt cx="0" cy="0"/>
+        </a:xfrm>
+      </p:grpSpPr>
+    </p:spTree>
+    <p:extLst>
+      <p:ext uri="{BB962C8B-B14F-4D97-AF65-F5344CB8AC3E}">
+        <p14:creationId xmlns:p14="http://schemas.microsoft.com/office/powerpoint/2010/main" val="2213417686"/>
+      </p:ext>
+    </p:extLst>
+  </p:cSld>
+  <p:clrMapOvr>
+    <a:masterClrMapping/>
+  </p:clrMapOvr>
+</p:sld>
+</file>
+
+<file path=ppt/slides/slide19.xml><?xml version="1.0" encoding="utf-8"?>
+<p:sld xmlns:a="http://schemas.openxmlformats.org/drawingml/2006/main" xmlns:r="http://schemas.openxmlformats.org/officeDocument/2006/relationships" xmlns:p="http://schemas.openxmlformats.org/presentationml/2006/main">
+  <p:cSld>
+    <p:spTree>
+      <p:nvGrpSpPr>
+        <p:cNvPr id="1" name=""/>
+        <p:cNvGrpSpPr/>
+        <p:nvPr/>
+      </p:nvGrpSpPr>
+      <p:grpSpPr>
+        <a:xfrm>
+          <a:off x="0" y="0"/>
+          <a:ext cx="0" cy="0"/>
+          <a:chOff x="0" y="0"/>
+          <a:chExt cx="0" cy="0"/>
+        </a:xfrm>
+      </p:grpSpPr>
+    </p:spTree>
+    <p:extLst>
+      <p:ext uri="{BB962C8B-B14F-4D97-AF65-F5344CB8AC3E}">
+        <p14:creationId xmlns:p14="http://schemas.microsoft.com/office/powerpoint/2010/main" val="2052547026"/>
       </p:ext>
     </p:extLst>
   </p:cSld>
